--- a/Day6/Ch06-ClusterAnalysis.pptx
+++ b/Day6/Ch06-ClusterAnalysis.pptx
@@ -7251,10 +7251,10 @@
       </p:grpSpPr>
       <p:pic>
         <p:nvPicPr>
-          <p:cNvPr id="7" name="Picture 6">
+          <p:cNvPr id="6" name="Picture 5">
             <a:extLst>
               <a:ext uri="{FF2B5EF4-FFF2-40B4-BE49-F238E27FC236}">
-                <a16:creationId xmlns:a16="http://schemas.microsoft.com/office/drawing/2014/main" id="{7D4DFE5D-1BF5-8941-B0E8-FA7136692907}"/>
+                <a16:creationId xmlns:a16="http://schemas.microsoft.com/office/drawing/2014/main" id="{2E9E6009-0FB4-7548-81A2-B6DBB78EBB9B}"/>
               </a:ext>
             </a:extLst>
           </p:cNvPr>
@@ -7277,8 +7277,8 @@
         </p:blipFill>
         <p:spPr>
           <a:xfrm>
-            <a:off x="398582" y="3562492"/>
-            <a:ext cx="4239663" cy="2815226"/>
+            <a:off x="152945" y="3221596"/>
+            <a:ext cx="4762500" cy="3124200"/>
           </a:xfrm>
           <a:prstGeom prst="rect">
             <a:avLst/>
@@ -7588,13 +7588,29 @@
           <a:p>
             <a:r>
               <a:rPr lang="en-US" sz="1600" b="1" dirty="0"/>
-              <a:t>    plt.plot(centroids[i][0], </a:t>
-            </a:r>
-          </a:p>
-          <a:p>
+              <a:t>    plt.plot(centroids[</a:t>
+            </a:r>
+            <a:r>
+              <a:rPr lang="en-US" sz="1600" b="1" dirty="0" err="1"/>
+              <a:t>i</a:t>
+            </a:r>
             <a:r>
               <a:rPr lang="en-US" sz="1600" b="1" dirty="0"/>
-              <a:t>           centroids[i][1],'kx')</a:t>
+              <a:t>][1], </a:t>
+            </a:r>
+          </a:p>
+          <a:p>
+            <a:r>
+              <a:rPr lang="en-US" sz="1600" b="1" dirty="0"/>
+              <a:t>           centroids[</a:t>
+            </a:r>
+            <a:r>
+              <a:rPr lang="en-US" sz="1600" b="1" dirty="0" err="1"/>
+              <a:t>i</a:t>
+            </a:r>
+            <a:r>
+              <a:rPr lang="en-US" sz="1600" b="1" dirty="0"/>
+              <a:t>][0],'kx')</a:t>
             </a:r>
           </a:p>
         </p:txBody>
@@ -9546,10 +9562,10 @@
       </p:sp>
       <p:pic>
         <p:nvPicPr>
-          <p:cNvPr id="7" name="Picture 6">
+          <p:cNvPr id="6" name="Picture 5">
             <a:extLst>
               <a:ext uri="{FF2B5EF4-FFF2-40B4-BE49-F238E27FC236}">
-                <a16:creationId xmlns:a16="http://schemas.microsoft.com/office/drawing/2014/main" id="{BCCE196B-FC85-8E4D-A221-FA0E9779446A}"/>
+                <a16:creationId xmlns:a16="http://schemas.microsoft.com/office/drawing/2014/main" id="{CD07C786-8132-D640-8F9A-8176B8BD6745}"/>
               </a:ext>
             </a:extLst>
           </p:cNvPr>
@@ -9572,8 +9588,8 @@
         </p:blipFill>
         <p:spPr>
           <a:xfrm>
-            <a:off x="1015756" y="3542393"/>
-            <a:ext cx="3899898" cy="2533438"/>
+            <a:off x="3171127" y="3542393"/>
+            <a:ext cx="3902857" cy="2685837"/>
           </a:xfrm>
           <a:prstGeom prst="rect">
             <a:avLst/>
@@ -11552,6 +11568,21 @@
 </file>
 
 <file path=customXml/item1.xml><?xml version="1.0" encoding="utf-8"?>
+<p:properties xmlns:p="http://schemas.microsoft.com/office/2006/metadata/properties" xmlns:xsi="http://www.w3.org/2001/XMLSchema-instance" xmlns:pc="http://schemas.microsoft.com/office/infopath/2007/PartnerControls">
+  <documentManagement/>
+</p:properties>
+</file>
+
+<file path=customXml/item2.xml><?xml version="1.0" encoding="utf-8"?>
+<?mso-contentType ?>
+<FormTemplates xmlns="http://schemas.microsoft.com/sharepoint/v3/contenttype/forms">
+  <Display>DocumentLibraryForm</Display>
+  <Edit>DocumentLibraryForm</Edit>
+  <New>DocumentLibraryForm</New>
+</FormTemplates>
+</file>
+
+<file path=customXml/item3.xml><?xml version="1.0" encoding="utf-8"?>
 <ct:contentTypeSchema xmlns:ct="http://schemas.microsoft.com/office/2006/metadata/contentType" xmlns:ma="http://schemas.microsoft.com/office/2006/metadata/properties/metaAttributes" ct:_="" ma:_="" ma:contentTypeName="Document" ma:contentTypeID="0x0101004C58D7A746750E48B9E257CBBD401C71" ma:contentTypeVersion="5" ma:contentTypeDescription="Create a new document." ma:contentTypeScope="" ma:versionID="9b104746e7bcdc89d5c9d8909bc79033">
   <xsd:schema xmlns:xsd="http://www.w3.org/2001/XMLSchema" xmlns:xs="http://www.w3.org/2001/XMLSchema" xmlns:p="http://schemas.microsoft.com/office/2006/metadata/properties" xmlns:ns2="3f1ded34-099e-46dd-b0de-95a90e7e1e5f" targetNamespace="http://schemas.microsoft.com/office/2006/metadata/properties" ma:root="true" ma:fieldsID="39039af933a2d9dca5a96354c4c2b0ed" ns2:_="">
     <xsd:import namespace="3f1ded34-099e-46dd-b0de-95a90e7e1e5f"/>
@@ -11703,22 +11734,24 @@
 </ct:contentTypeSchema>
 </file>
 
-<file path=customXml/item2.xml><?xml version="1.0" encoding="utf-8"?>
-<?mso-contentType ?>
-<FormTemplates xmlns="http://schemas.microsoft.com/sharepoint/v3/contenttype/forms">
-  <Display>DocumentLibraryForm</Display>
-  <Edit>DocumentLibraryForm</Edit>
-  <New>DocumentLibraryForm</New>
-</FormTemplates>
+<file path=customXml/itemProps1.xml><?xml version="1.0" encoding="utf-8"?>
+<ds:datastoreItem xmlns:ds="http://schemas.openxmlformats.org/officeDocument/2006/customXml" ds:itemID="{F47B9207-CE5C-49AD-B414-15CBFA246D65}">
+  <ds:schemaRefs>
+    <ds:schemaRef ds:uri="http://schemas.microsoft.com/office/2006/metadata/properties"/>
+    <ds:schemaRef ds:uri="http://schemas.microsoft.com/office/infopath/2007/PartnerControls"/>
+  </ds:schemaRefs>
+</ds:datastoreItem>
 </file>
 
-<file path=customXml/item3.xml><?xml version="1.0" encoding="utf-8"?>
-<p:properties xmlns:p="http://schemas.microsoft.com/office/2006/metadata/properties" xmlns:xsi="http://www.w3.org/2001/XMLSchema-instance" xmlns:pc="http://schemas.microsoft.com/office/infopath/2007/PartnerControls">
-  <documentManagement/>
-</p:properties>
+<file path=customXml/itemProps2.xml><?xml version="1.0" encoding="utf-8"?>
+<ds:datastoreItem xmlns:ds="http://schemas.openxmlformats.org/officeDocument/2006/customXml" ds:itemID="{2DA015F3-603C-4688-A5F3-81D587DAB8C9}">
+  <ds:schemaRefs>
+    <ds:schemaRef ds:uri="http://schemas.microsoft.com/sharepoint/v3/contenttype/forms"/>
+  </ds:schemaRefs>
+</ds:datastoreItem>
 </file>
 
-<file path=customXml/itemProps1.xml><?xml version="1.0" encoding="utf-8"?>
+<file path=customXml/itemProps3.xml><?xml version="1.0" encoding="utf-8"?>
 <ds:datastoreItem xmlns:ds="http://schemas.openxmlformats.org/officeDocument/2006/customXml" ds:itemID="{6751EBC6-C433-43E6-8F46-C6D6D677BF51}">
   <ds:schemaRefs>
     <ds:schemaRef ds:uri="http://schemas.microsoft.com/office/2006/metadata/contentType"/>
@@ -11734,21 +11767,4 @@
     <ds:schemaRef ds:uri="http://schemas.microsoft.com/internal/obd"/>
   </ds:schemaRefs>
 </ds:datastoreItem>
-</file>
-
-<file path=customXml/itemProps2.xml><?xml version="1.0" encoding="utf-8"?>
-<ds:datastoreItem xmlns:ds="http://schemas.openxmlformats.org/officeDocument/2006/customXml" ds:itemID="{2DA015F3-603C-4688-A5F3-81D587DAB8C9}">
-  <ds:schemaRefs>
-    <ds:schemaRef ds:uri="http://schemas.microsoft.com/sharepoint/v3/contenttype/forms"/>
-  </ds:schemaRefs>
-</ds:datastoreItem>
-</file>
-
-<file path=customXml/itemProps3.xml><?xml version="1.0" encoding="utf-8"?>
-<ds:datastoreItem xmlns:ds="http://schemas.openxmlformats.org/officeDocument/2006/customXml" ds:itemID="{F47B9207-CE5C-49AD-B414-15CBFA246D65}">
-  <ds:schemaRefs>
-    <ds:schemaRef ds:uri="http://schemas.microsoft.com/office/2006/metadata/properties"/>
-    <ds:schemaRef ds:uri="http://schemas.microsoft.com/office/infopath/2007/PartnerControls"/>
-  </ds:schemaRefs>
-</ds:datastoreItem>
 </file>
--- a/Day6/Ch06-ClusterAnalysis.pptx
+++ b/Day6/Ch06-ClusterAnalysis.pptx
@@ -339,7 +339,7 @@
                 <a:ea typeface="Tahoma" pitchFamily="34" charset="0"/>
                 <a:cs typeface="Tahoma" pitchFamily="34" charset="0"/>
               </a:rPr>
-              <a:t>Chapter 7</a:t>
+              <a:t>Chapter 6</a:t>
             </a:r>
           </a:p>
         </p:txBody>
@@ -729,7 +729,7 @@
                 </a:solidFill>
                 <a:latin typeface="Tahoma" pitchFamily="34" charset="0"/>
               </a:rPr>
-              <a:t>Chapter 7-</a:t>
+              <a:t>Chapter 6-</a:t>
             </a:r>
             <a:fld id="{9C58707A-6F60-4D20-8A8B-4F90B88EA4F7}" type="slidenum">
               <a:rPr lang="en-US" sz="1200" smtClean="0">
@@ -6342,7 +6342,7 @@
                 </a:solidFill>
                 <a:latin typeface="Tahoma" charset="0"/>
               </a:rPr>
-              <a:t>© 2019</a:t>
+              <a:t>© 2020</a:t>
             </a:r>
             <a:r>
               <a:rPr lang="en-US" sz="700" b="0" baseline="0" dirty="0">
@@ -7537,23 +7537,7 @@
           <a:p>
             <a:r>
               <a:rPr lang="en-US" sz="1600" b="1" dirty="0"/>
-              <a:t>    p = predictions.select('</a:t>
-            </a:r>
-            <a:r>
-              <a:rPr lang="en-US" sz="1600" b="1" dirty="0" err="1"/>
-              <a:t>lng</a:t>
-            </a:r>
-            <a:r>
-              <a:rPr lang="en-US" sz="1600" b="1" dirty="0"/>
-              <a:t>', '</a:t>
-            </a:r>
-            <a:r>
-              <a:rPr lang="en-US" sz="1600" b="1" dirty="0" err="1"/>
-              <a:t>lat</a:t>
-            </a:r>
-            <a:r>
-              <a:rPr lang="en-US" sz="1600" b="1" dirty="0"/>
-              <a:t>') \</a:t>
+              <a:t>    p = predictions.select('lng', 'lat') \</a:t>
             </a:r>
             <a:br>
               <a:rPr lang="en-US" sz="1600" b="1" dirty="0"/>
@@ -7566,51 +7550,19 @@
           <a:p>
             <a:r>
               <a:rPr lang="en-US" sz="1600" b="1" dirty="0"/>
-              <a:t>    plt.plot(p.loc[:,'</a:t>
-            </a:r>
-            <a:r>
-              <a:rPr lang="en-US" sz="1600" b="1" dirty="0" err="1"/>
-              <a:t>lng</a:t>
-            </a:r>
+              <a:t>    plt.plot(p.loc[:,'lng'],p.loc[:,'lat'],'o')</a:t>
+            </a:r>
+          </a:p>
+          <a:p>
             <a:r>
               <a:rPr lang="en-US" sz="1600" b="1" dirty="0"/>
-              <a:t>'],p.loc[:,'</a:t>
-            </a:r>
-            <a:r>
-              <a:rPr lang="en-US" sz="1600" b="1" dirty="0" err="1"/>
-              <a:t>lat</a:t>
-            </a:r>
+              <a:t>    plt.plot(centroids[i][1], </a:t>
+            </a:r>
+          </a:p>
+          <a:p>
             <a:r>
               <a:rPr lang="en-US" sz="1600" b="1" dirty="0"/>
-              <a:t>'],'o')</a:t>
-            </a:r>
-          </a:p>
-          <a:p>
-            <a:r>
-              <a:rPr lang="en-US" sz="1600" b="1" dirty="0"/>
-              <a:t>    plt.plot(centroids[</a:t>
-            </a:r>
-            <a:r>
-              <a:rPr lang="en-US" sz="1600" b="1" dirty="0" err="1"/>
-              <a:t>i</a:t>
-            </a:r>
-            <a:r>
-              <a:rPr lang="en-US" sz="1600" b="1" dirty="0"/>
-              <a:t>][1], </a:t>
-            </a:r>
-          </a:p>
-          <a:p>
-            <a:r>
-              <a:rPr lang="en-US" sz="1600" b="1" dirty="0"/>
-              <a:t>           centroids[</a:t>
-            </a:r>
-            <a:r>
-              <a:rPr lang="en-US" sz="1600" b="1" dirty="0" err="1"/>
-              <a:t>i</a:t>
-            </a:r>
-            <a:r>
-              <a:rPr lang="en-US" sz="1600" b="1" dirty="0"/>
-              <a:t>][0],'kx')</a:t>
+              <a:t>           centroids[i][0],'kx')</a:t>
             </a:r>
           </a:p>
         </p:txBody>
@@ -9539,23 +9491,7 @@
           <a:p>
             <a:r>
               <a:rPr lang="en-US" sz="1600" b="1" dirty="0"/>
-              <a:t>plt.plot(p.loc[:,'</a:t>
-            </a:r>
-            <a:r>
-              <a:rPr lang="en-US" sz="1600" b="1" dirty="0" err="1"/>
-              <a:t>lng</a:t>
-            </a:r>
-            <a:r>
-              <a:rPr lang="en-US" sz="1600" b="1" dirty="0"/>
-              <a:t>'],p.loc[:,'</a:t>
-            </a:r>
-            <a:r>
-              <a:rPr lang="en-US" sz="1600" b="1" dirty="0" err="1"/>
-              <a:t>lat</a:t>
-            </a:r>
-            <a:r>
-              <a:rPr lang="en-US" sz="1600" b="1" dirty="0"/>
-              <a:t>'],'o')</a:t>
+              <a:t>plt.plot(p.loc[:,'lng'],p.loc[:,'lat'],'o')</a:t>
             </a:r>
           </a:p>
         </p:txBody>
@@ -11568,18 +11504,18 @@
 </file>
 
 <file path=customXml/item1.xml><?xml version="1.0" encoding="utf-8"?>
-<p:properties xmlns:p="http://schemas.microsoft.com/office/2006/metadata/properties" xmlns:xsi="http://www.w3.org/2001/XMLSchema-instance" xmlns:pc="http://schemas.microsoft.com/office/infopath/2007/PartnerControls">
-  <documentManagement/>
-</p:properties>
-</file>
-
-<file path=customXml/item2.xml><?xml version="1.0" encoding="utf-8"?>
 <?mso-contentType ?>
 <FormTemplates xmlns="http://schemas.microsoft.com/sharepoint/v3/contenttype/forms">
   <Display>DocumentLibraryForm</Display>
   <Edit>DocumentLibraryForm</Edit>
   <New>DocumentLibraryForm</New>
 </FormTemplates>
+</file>
+
+<file path=customXml/item2.xml><?xml version="1.0" encoding="utf-8"?>
+<p:properties xmlns:p="http://schemas.microsoft.com/office/2006/metadata/properties" xmlns:xsi="http://www.w3.org/2001/XMLSchema-instance" xmlns:pc="http://schemas.microsoft.com/office/infopath/2007/PartnerControls">
+  <documentManagement/>
+</p:properties>
 </file>
 
 <file path=customXml/item3.xml><?xml version="1.0" encoding="utf-8"?>
@@ -11735,18 +11671,18 @@
 </file>
 
 <file path=customXml/itemProps1.xml><?xml version="1.0" encoding="utf-8"?>
-<ds:datastoreItem xmlns:ds="http://schemas.openxmlformats.org/officeDocument/2006/customXml" ds:itemID="{F47B9207-CE5C-49AD-B414-15CBFA246D65}">
+<ds:datastoreItem xmlns:ds="http://schemas.openxmlformats.org/officeDocument/2006/customXml" ds:itemID="{2DA015F3-603C-4688-A5F3-81D587DAB8C9}">
   <ds:schemaRefs>
-    <ds:schemaRef ds:uri="http://schemas.microsoft.com/office/2006/metadata/properties"/>
-    <ds:schemaRef ds:uri="http://schemas.microsoft.com/office/infopath/2007/PartnerControls"/>
+    <ds:schemaRef ds:uri="http://schemas.microsoft.com/sharepoint/v3/contenttype/forms"/>
   </ds:schemaRefs>
 </ds:datastoreItem>
 </file>
 
 <file path=customXml/itemProps2.xml><?xml version="1.0" encoding="utf-8"?>
-<ds:datastoreItem xmlns:ds="http://schemas.openxmlformats.org/officeDocument/2006/customXml" ds:itemID="{2DA015F3-603C-4688-A5F3-81D587DAB8C9}">
+<ds:datastoreItem xmlns:ds="http://schemas.openxmlformats.org/officeDocument/2006/customXml" ds:itemID="{F47B9207-CE5C-49AD-B414-15CBFA246D65}">
   <ds:schemaRefs>
-    <ds:schemaRef ds:uri="http://schemas.microsoft.com/sharepoint/v3/contenttype/forms"/>
+    <ds:schemaRef ds:uri="http://schemas.microsoft.com/office/2006/metadata/properties"/>
+    <ds:schemaRef ds:uri="http://schemas.microsoft.com/office/infopath/2007/PartnerControls"/>
   </ds:schemaRefs>
 </ds:datastoreItem>
 </file>
